--- a/DOC/과제풀이/MyPrintf.pptx
+++ b/DOC/과제풀이/MyPrintf.pptx
@@ -8,9 +8,10 @@
     <p:sldId id="256" r:id="rId2"/>
     <p:sldId id="260" r:id="rId3"/>
     <p:sldId id="261" r:id="rId4"/>
-    <p:sldId id="257" r:id="rId5"/>
-    <p:sldId id="258" r:id="rId6"/>
-    <p:sldId id="259" r:id="rId7"/>
+    <p:sldId id="262" r:id="rId5"/>
+    <p:sldId id="257" r:id="rId6"/>
+    <p:sldId id="258" r:id="rId7"/>
+    <p:sldId id="259" r:id="rId8"/>
   </p:sldIdLst>
   <p:sldSz cx="12192000" cy="6858000"/>
   <p:notesSz cx="6858000" cy="9144000"/>
@@ -264,7 +265,7 @@
           <a:p>
             <a:fld id="{A3A7F2B9-A4A9-4213-BDB1-E056154E389E}" type="datetimeFigureOut">
               <a:rPr lang="ko-KR" altLang="en-US" smtClean="0"/>
-              <a:t>2024-09-23</a:t>
+              <a:t>2024-09-24</a:t>
             </a:fld>
             <a:endParaRPr lang="ko-KR" altLang="en-US"/>
           </a:p>
@@ -462,7 +463,7 @@
           <a:p>
             <a:fld id="{A3A7F2B9-A4A9-4213-BDB1-E056154E389E}" type="datetimeFigureOut">
               <a:rPr lang="ko-KR" altLang="en-US" smtClean="0"/>
-              <a:t>2024-09-23</a:t>
+              <a:t>2024-09-24</a:t>
             </a:fld>
             <a:endParaRPr lang="ko-KR" altLang="en-US"/>
           </a:p>
@@ -670,7 +671,7 @@
           <a:p>
             <a:fld id="{A3A7F2B9-A4A9-4213-BDB1-E056154E389E}" type="datetimeFigureOut">
               <a:rPr lang="ko-KR" altLang="en-US" smtClean="0"/>
-              <a:t>2024-09-23</a:t>
+              <a:t>2024-09-24</a:t>
             </a:fld>
             <a:endParaRPr lang="ko-KR" altLang="en-US"/>
           </a:p>
@@ -868,7 +869,7 @@
           <a:p>
             <a:fld id="{A3A7F2B9-A4A9-4213-BDB1-E056154E389E}" type="datetimeFigureOut">
               <a:rPr lang="ko-KR" altLang="en-US" smtClean="0"/>
-              <a:t>2024-09-23</a:t>
+              <a:t>2024-09-24</a:t>
             </a:fld>
             <a:endParaRPr lang="ko-KR" altLang="en-US"/>
           </a:p>
@@ -1143,7 +1144,7 @@
           <a:p>
             <a:fld id="{A3A7F2B9-A4A9-4213-BDB1-E056154E389E}" type="datetimeFigureOut">
               <a:rPr lang="ko-KR" altLang="en-US" smtClean="0"/>
-              <a:t>2024-09-23</a:t>
+              <a:t>2024-09-24</a:t>
             </a:fld>
             <a:endParaRPr lang="ko-KR" altLang="en-US"/>
           </a:p>
@@ -1408,7 +1409,7 @@
           <a:p>
             <a:fld id="{A3A7F2B9-A4A9-4213-BDB1-E056154E389E}" type="datetimeFigureOut">
               <a:rPr lang="ko-KR" altLang="en-US" smtClean="0"/>
-              <a:t>2024-09-23</a:t>
+              <a:t>2024-09-24</a:t>
             </a:fld>
             <a:endParaRPr lang="ko-KR" altLang="en-US"/>
           </a:p>
@@ -1820,7 +1821,7 @@
           <a:p>
             <a:fld id="{A3A7F2B9-A4A9-4213-BDB1-E056154E389E}" type="datetimeFigureOut">
               <a:rPr lang="ko-KR" altLang="en-US" smtClean="0"/>
-              <a:t>2024-09-23</a:t>
+              <a:t>2024-09-24</a:t>
             </a:fld>
             <a:endParaRPr lang="ko-KR" altLang="en-US"/>
           </a:p>
@@ -1961,7 +1962,7 @@
           <a:p>
             <a:fld id="{A3A7F2B9-A4A9-4213-BDB1-E056154E389E}" type="datetimeFigureOut">
               <a:rPr lang="ko-KR" altLang="en-US" smtClean="0"/>
-              <a:t>2024-09-23</a:t>
+              <a:t>2024-09-24</a:t>
             </a:fld>
             <a:endParaRPr lang="ko-KR" altLang="en-US"/>
           </a:p>
@@ -2074,7 +2075,7 @@
           <a:p>
             <a:fld id="{A3A7F2B9-A4A9-4213-BDB1-E056154E389E}" type="datetimeFigureOut">
               <a:rPr lang="ko-KR" altLang="en-US" smtClean="0"/>
-              <a:t>2024-09-23</a:t>
+              <a:t>2024-09-24</a:t>
             </a:fld>
             <a:endParaRPr lang="ko-KR" altLang="en-US"/>
           </a:p>
@@ -2385,7 +2386,7 @@
           <a:p>
             <a:fld id="{A3A7F2B9-A4A9-4213-BDB1-E056154E389E}" type="datetimeFigureOut">
               <a:rPr lang="ko-KR" altLang="en-US" smtClean="0"/>
-              <a:t>2024-09-23</a:t>
+              <a:t>2024-09-24</a:t>
             </a:fld>
             <a:endParaRPr lang="ko-KR" altLang="en-US"/>
           </a:p>
@@ -2673,7 +2674,7 @@
           <a:p>
             <a:fld id="{A3A7F2B9-A4A9-4213-BDB1-E056154E389E}" type="datetimeFigureOut">
               <a:rPr lang="ko-KR" altLang="en-US" smtClean="0"/>
-              <a:t>2024-09-23</a:t>
+              <a:t>2024-09-24</a:t>
             </a:fld>
             <a:endParaRPr lang="ko-KR" altLang="en-US"/>
           </a:p>
@@ -2914,7 +2915,7 @@
           <a:p>
             <a:fld id="{A3A7F2B9-A4A9-4213-BDB1-E056154E389E}" type="datetimeFigureOut">
               <a:rPr lang="ko-KR" altLang="en-US" smtClean="0"/>
-              <a:t>2024-09-23</a:t>
+              <a:t>2024-09-24</a:t>
             </a:fld>
             <a:endParaRPr lang="ko-KR" altLang="en-US"/>
           </a:p>
@@ -5277,10 +5278,1269 @@
           <a:chExt cx="0" cy="0"/>
         </a:xfrm>
       </p:grpSpPr>
+      <p:sp>
+        <p:nvSpPr>
+          <p:cNvPr id="2" name="직사각형 1">
+            <a:extLst>
+              <a:ext uri="{FF2B5EF4-FFF2-40B4-BE49-F238E27FC236}">
+                <a16:creationId xmlns:a16="http://schemas.microsoft.com/office/drawing/2014/main" id="{A018DCFB-4928-52D0-98EB-E201D519F9CA}"/>
+              </a:ext>
+            </a:extLst>
+          </p:cNvPr>
+          <p:cNvSpPr/>
+          <p:nvPr/>
+        </p:nvSpPr>
+        <p:spPr>
+          <a:xfrm>
+            <a:off x="738909" y="230910"/>
+            <a:ext cx="11065164" cy="914400"/>
+          </a:xfrm>
+          <a:prstGeom prst="rect">
+            <a:avLst/>
+          </a:prstGeom>
+        </p:spPr>
+        <p:style>
+          <a:lnRef idx="2">
+            <a:schemeClr val="accent1">
+              <a:shade val="15000"/>
+            </a:schemeClr>
+          </a:lnRef>
+          <a:fillRef idx="1">
+            <a:schemeClr val="accent1"/>
+          </a:fillRef>
+          <a:effectRef idx="0">
+            <a:schemeClr val="accent1"/>
+          </a:effectRef>
+          <a:fontRef idx="minor">
+            <a:schemeClr val="lt1"/>
+          </a:fontRef>
+        </p:style>
+        <p:txBody>
+          <a:bodyPr rtlCol="0" anchor="ctr"/>
+          <a:lstStyle/>
+          <a:p>
+            <a:pPr algn="ctr"/>
+            <a:endParaRPr lang="ko-KR" altLang="en-US"/>
+          </a:p>
+        </p:txBody>
+      </p:sp>
+      <p:sp>
+        <p:nvSpPr>
+          <p:cNvPr id="4" name="직사각형 3">
+            <a:extLst>
+              <a:ext uri="{FF2B5EF4-FFF2-40B4-BE49-F238E27FC236}">
+                <a16:creationId xmlns:a16="http://schemas.microsoft.com/office/drawing/2014/main" id="{9900BDDC-23AD-CA2E-BAE4-024C19AEF31D}"/>
+              </a:ext>
+            </a:extLst>
+          </p:cNvPr>
+          <p:cNvSpPr/>
+          <p:nvPr/>
+        </p:nvSpPr>
+        <p:spPr>
+          <a:xfrm>
+            <a:off x="738909" y="1279236"/>
+            <a:ext cx="11065164" cy="1667163"/>
+          </a:xfrm>
+          <a:prstGeom prst="rect">
+            <a:avLst/>
+          </a:prstGeom>
+        </p:spPr>
+        <p:style>
+          <a:lnRef idx="2">
+            <a:schemeClr val="accent6">
+              <a:shade val="15000"/>
+            </a:schemeClr>
+          </a:lnRef>
+          <a:fillRef idx="1">
+            <a:schemeClr val="accent6"/>
+          </a:fillRef>
+          <a:effectRef idx="0">
+            <a:schemeClr val="accent6"/>
+          </a:effectRef>
+          <a:fontRef idx="minor">
+            <a:schemeClr val="lt1"/>
+          </a:fontRef>
+        </p:style>
+        <p:txBody>
+          <a:bodyPr rtlCol="0" anchor="ctr"/>
+          <a:lstStyle/>
+          <a:p>
+            <a:pPr algn="ctr"/>
+            <a:endParaRPr lang="ko-KR" altLang="en-US"/>
+          </a:p>
+        </p:txBody>
+      </p:sp>
+      <p:sp>
+        <p:nvSpPr>
+          <p:cNvPr id="6" name="TextBox 5">
+            <a:extLst>
+              <a:ext uri="{FF2B5EF4-FFF2-40B4-BE49-F238E27FC236}">
+                <a16:creationId xmlns:a16="http://schemas.microsoft.com/office/drawing/2014/main" id="{F50E2918-432D-A02D-F6F3-DE7B90842A59}"/>
+              </a:ext>
+            </a:extLst>
+          </p:cNvPr>
+          <p:cNvSpPr txBox="1"/>
+          <p:nvPr/>
+        </p:nvSpPr>
+        <p:spPr>
+          <a:xfrm>
+            <a:off x="895927" y="1928151"/>
+            <a:ext cx="1026243" cy="369332"/>
+          </a:xfrm>
+          <a:prstGeom prst="rect">
+            <a:avLst/>
+          </a:prstGeom>
+          <a:noFill/>
+        </p:spPr>
+        <p:txBody>
+          <a:bodyPr wrap="none" rtlCol="0">
+            <a:spAutoFit/>
+          </a:bodyPr>
+          <a:lstStyle/>
+          <a:p>
+            <a:r>
+              <a:rPr lang="en-US" altLang="ko-KR" dirty="0"/>
+              <a:t>100</a:t>
+            </a:r>
+            <a:r>
+              <a:rPr lang="ko-KR" altLang="en-US" dirty="0"/>
+              <a:t>번지</a:t>
+            </a:r>
+          </a:p>
+        </p:txBody>
+      </p:sp>
+      <p:sp>
+        <p:nvSpPr>
+          <p:cNvPr id="7" name="직사각형 6">
+            <a:extLst>
+              <a:ext uri="{FF2B5EF4-FFF2-40B4-BE49-F238E27FC236}">
+                <a16:creationId xmlns:a16="http://schemas.microsoft.com/office/drawing/2014/main" id="{0A0248D8-3D0A-F533-FFE4-1F586B506464}"/>
+              </a:ext>
+            </a:extLst>
+          </p:cNvPr>
+          <p:cNvSpPr/>
+          <p:nvPr/>
+        </p:nvSpPr>
+        <p:spPr>
+          <a:xfrm>
+            <a:off x="738909" y="3084886"/>
+            <a:ext cx="11065164" cy="344114"/>
+          </a:xfrm>
+          <a:prstGeom prst="rect">
+            <a:avLst/>
+          </a:prstGeom>
+        </p:spPr>
+        <p:style>
+          <a:lnRef idx="2">
+            <a:schemeClr val="accent3">
+              <a:shade val="15000"/>
+            </a:schemeClr>
+          </a:lnRef>
+          <a:fillRef idx="1">
+            <a:schemeClr val="accent3"/>
+          </a:fillRef>
+          <a:effectRef idx="0">
+            <a:schemeClr val="accent3"/>
+          </a:effectRef>
+          <a:fontRef idx="minor">
+            <a:schemeClr val="lt1"/>
+          </a:fontRef>
+        </p:style>
+        <p:txBody>
+          <a:bodyPr rtlCol="0" anchor="ctr"/>
+          <a:lstStyle/>
+          <a:p>
+            <a:pPr algn="ctr"/>
+            <a:r>
+              <a:rPr lang="ko-KR" altLang="en-US"/>
+              <a:t>힙</a:t>
+            </a:r>
+            <a:endParaRPr lang="ko-KR" altLang="en-US" dirty="0"/>
+          </a:p>
+        </p:txBody>
+      </p:sp>
+      <p:sp>
+        <p:nvSpPr>
+          <p:cNvPr id="8" name="직사각형 7">
+            <a:extLst>
+              <a:ext uri="{FF2B5EF4-FFF2-40B4-BE49-F238E27FC236}">
+                <a16:creationId xmlns:a16="http://schemas.microsoft.com/office/drawing/2014/main" id="{159CBF8F-3ACC-BC53-1955-51152E55BE15}"/>
+              </a:ext>
+            </a:extLst>
+          </p:cNvPr>
+          <p:cNvSpPr/>
+          <p:nvPr/>
+        </p:nvSpPr>
+        <p:spPr>
+          <a:xfrm>
+            <a:off x="738909" y="3606858"/>
+            <a:ext cx="11065164" cy="3020231"/>
+          </a:xfrm>
+          <a:prstGeom prst="rect">
+            <a:avLst/>
+          </a:prstGeom>
+        </p:spPr>
+        <p:style>
+          <a:lnRef idx="2">
+            <a:schemeClr val="accent5">
+              <a:shade val="15000"/>
+            </a:schemeClr>
+          </a:lnRef>
+          <a:fillRef idx="1">
+            <a:schemeClr val="accent5"/>
+          </a:fillRef>
+          <a:effectRef idx="0">
+            <a:schemeClr val="accent5"/>
+          </a:effectRef>
+          <a:fontRef idx="minor">
+            <a:schemeClr val="lt1"/>
+          </a:fontRef>
+        </p:style>
+        <p:txBody>
+          <a:bodyPr rtlCol="0" anchor="ctr"/>
+          <a:lstStyle/>
+          <a:p>
+            <a:pPr algn="ctr"/>
+            <a:r>
+              <a:rPr lang="ko-KR" altLang="en-US" dirty="0"/>
+              <a:t>스택</a:t>
+            </a:r>
+          </a:p>
+        </p:txBody>
+      </p:sp>
+      <p:sp>
+        <p:nvSpPr>
+          <p:cNvPr id="9" name="직사각형 8">
+            <a:extLst>
+              <a:ext uri="{FF2B5EF4-FFF2-40B4-BE49-F238E27FC236}">
+                <a16:creationId xmlns:a16="http://schemas.microsoft.com/office/drawing/2014/main" id="{B6AC3A8A-166B-5FB6-5E40-8A7FD8758EF1}"/>
+              </a:ext>
+            </a:extLst>
+          </p:cNvPr>
+          <p:cNvSpPr/>
+          <p:nvPr/>
+        </p:nvSpPr>
+        <p:spPr>
+          <a:xfrm>
+            <a:off x="738909" y="7384373"/>
+            <a:ext cx="11065164" cy="1080653"/>
+          </a:xfrm>
+          <a:prstGeom prst="rect">
+            <a:avLst/>
+          </a:prstGeom>
+        </p:spPr>
+        <p:style>
+          <a:lnRef idx="2">
+            <a:schemeClr val="accent3">
+              <a:shade val="15000"/>
+            </a:schemeClr>
+          </a:lnRef>
+          <a:fillRef idx="1">
+            <a:schemeClr val="accent3"/>
+          </a:fillRef>
+          <a:effectRef idx="0">
+            <a:schemeClr val="accent3"/>
+          </a:effectRef>
+          <a:fontRef idx="minor">
+            <a:schemeClr val="lt1"/>
+          </a:fontRef>
+        </p:style>
+        <p:txBody>
+          <a:bodyPr rtlCol="0" anchor="ctr"/>
+          <a:lstStyle/>
+          <a:p>
+            <a:pPr algn="ctr"/>
+            <a:r>
+              <a:rPr lang="en-US" altLang="ko-KR" dirty="0"/>
+              <a:t>Main</a:t>
+            </a:r>
+            <a:endParaRPr lang="ko-KR" altLang="en-US" dirty="0"/>
+          </a:p>
+        </p:txBody>
+      </p:sp>
+      <p:graphicFrame>
+        <p:nvGraphicFramePr>
+          <p:cNvPr id="3" name="표 2">
+            <a:extLst>
+              <a:ext uri="{FF2B5EF4-FFF2-40B4-BE49-F238E27FC236}">
+                <a16:creationId xmlns:a16="http://schemas.microsoft.com/office/drawing/2014/main" id="{B66A0D2D-9276-93D5-A904-93EBBD28650D}"/>
+              </a:ext>
+            </a:extLst>
+          </p:cNvPr>
+          <p:cNvGraphicFramePr>
+            <a:graphicFrameLocks noGrp="1"/>
+          </p:cNvGraphicFramePr>
+          <p:nvPr>
+            <p:extLst>
+              <p:ext uri="{D42A27DB-BD31-4B8C-83A1-F6EECF244321}">
+                <p14:modId xmlns:p14="http://schemas.microsoft.com/office/powerpoint/2010/main" val="4047557788"/>
+              </p:ext>
+            </p:extLst>
+          </p:nvPr>
+        </p:nvGraphicFramePr>
+        <p:xfrm>
+          <a:off x="1099127" y="1545825"/>
+          <a:ext cx="8127999" cy="370840"/>
+        </p:xfrm>
+        <a:graphic>
+          <a:graphicData uri="http://schemas.openxmlformats.org/drawingml/2006/table">
+            <a:tbl>
+              <a:tblPr firstRow="1" bandRow="1">
+                <a:tableStyleId>{5C22544A-7EE6-4342-B048-85BDC9FD1C3A}</a:tableStyleId>
+              </a:tblPr>
+              <a:tblGrid>
+                <a:gridCol w="738909">
+                  <a:extLst>
+                    <a:ext uri="{9D8B030D-6E8A-4147-A177-3AD203B41FA5}">
+                      <a16:colId xmlns:a16="http://schemas.microsoft.com/office/drawing/2014/main" val="3093658827"/>
+                    </a:ext>
+                  </a:extLst>
+                </a:gridCol>
+                <a:gridCol w="738909">
+                  <a:extLst>
+                    <a:ext uri="{9D8B030D-6E8A-4147-A177-3AD203B41FA5}">
+                      <a16:colId xmlns:a16="http://schemas.microsoft.com/office/drawing/2014/main" val="2891956428"/>
+                    </a:ext>
+                  </a:extLst>
+                </a:gridCol>
+                <a:gridCol w="738909">
+                  <a:extLst>
+                    <a:ext uri="{9D8B030D-6E8A-4147-A177-3AD203B41FA5}">
+                      <a16:colId xmlns:a16="http://schemas.microsoft.com/office/drawing/2014/main" val="1061896472"/>
+                    </a:ext>
+                  </a:extLst>
+                </a:gridCol>
+                <a:gridCol w="738909">
+                  <a:extLst>
+                    <a:ext uri="{9D8B030D-6E8A-4147-A177-3AD203B41FA5}">
+                      <a16:colId xmlns:a16="http://schemas.microsoft.com/office/drawing/2014/main" val="684211383"/>
+                    </a:ext>
+                  </a:extLst>
+                </a:gridCol>
+                <a:gridCol w="738909">
+                  <a:extLst>
+                    <a:ext uri="{9D8B030D-6E8A-4147-A177-3AD203B41FA5}">
+                      <a16:colId xmlns:a16="http://schemas.microsoft.com/office/drawing/2014/main" val="788653393"/>
+                    </a:ext>
+                  </a:extLst>
+                </a:gridCol>
+                <a:gridCol w="738909">
+                  <a:extLst>
+                    <a:ext uri="{9D8B030D-6E8A-4147-A177-3AD203B41FA5}">
+                      <a16:colId xmlns:a16="http://schemas.microsoft.com/office/drawing/2014/main" val="3905205105"/>
+                    </a:ext>
+                  </a:extLst>
+                </a:gridCol>
+                <a:gridCol w="738909">
+                  <a:extLst>
+                    <a:ext uri="{9D8B030D-6E8A-4147-A177-3AD203B41FA5}">
+                      <a16:colId xmlns:a16="http://schemas.microsoft.com/office/drawing/2014/main" val="3253597642"/>
+                    </a:ext>
+                  </a:extLst>
+                </a:gridCol>
+                <a:gridCol w="738909">
+                  <a:extLst>
+                    <a:ext uri="{9D8B030D-6E8A-4147-A177-3AD203B41FA5}">
+                      <a16:colId xmlns:a16="http://schemas.microsoft.com/office/drawing/2014/main" val="786020038"/>
+                    </a:ext>
+                  </a:extLst>
+                </a:gridCol>
+                <a:gridCol w="738909">
+                  <a:extLst>
+                    <a:ext uri="{9D8B030D-6E8A-4147-A177-3AD203B41FA5}">
+                      <a16:colId xmlns:a16="http://schemas.microsoft.com/office/drawing/2014/main" val="4266082735"/>
+                    </a:ext>
+                  </a:extLst>
+                </a:gridCol>
+                <a:gridCol w="738909">
+                  <a:extLst>
+                    <a:ext uri="{9D8B030D-6E8A-4147-A177-3AD203B41FA5}">
+                      <a16:colId xmlns:a16="http://schemas.microsoft.com/office/drawing/2014/main" val="207584328"/>
+                    </a:ext>
+                  </a:extLst>
+                </a:gridCol>
+                <a:gridCol w="738909">
+                  <a:extLst>
+                    <a:ext uri="{9D8B030D-6E8A-4147-A177-3AD203B41FA5}">
+                      <a16:colId xmlns:a16="http://schemas.microsoft.com/office/drawing/2014/main" val="2257584652"/>
+                    </a:ext>
+                  </a:extLst>
+                </a:gridCol>
+              </a:tblGrid>
+              <a:tr h="370840">
+                <a:tc>
+                  <a:txBody>
+                    <a:bodyPr/>
+                    <a:lstStyle/>
+                    <a:p>
+                      <a:pPr latinLnBrk="1"/>
+                      <a:r>
+                        <a:rPr lang="en-US" altLang="ko-KR" dirty="0"/>
+                        <a:t>T</a:t>
+                      </a:r>
+                      <a:endParaRPr lang="ko-KR" altLang="en-US" dirty="0"/>
+                    </a:p>
+                  </a:txBody>
+                  <a:tcPr/>
+                </a:tc>
+                <a:tc>
+                  <a:txBody>
+                    <a:bodyPr/>
+                    <a:lstStyle/>
+                    <a:p>
+                      <a:pPr latinLnBrk="1"/>
+                      <a:r>
+                        <a:rPr lang="en-US" altLang="ko-KR" dirty="0"/>
+                        <a:t>e</a:t>
+                      </a:r>
+                      <a:endParaRPr lang="ko-KR" altLang="en-US" dirty="0"/>
+                    </a:p>
+                  </a:txBody>
+                  <a:tcPr/>
+                </a:tc>
+                <a:tc>
+                  <a:txBody>
+                    <a:bodyPr/>
+                    <a:lstStyle/>
+                    <a:p>
+                      <a:pPr latinLnBrk="1"/>
+                      <a:r>
+                        <a:rPr lang="en-US" altLang="ko-KR" dirty="0"/>
+                        <a:t>s</a:t>
+                      </a:r>
+                      <a:endParaRPr lang="ko-KR" altLang="en-US" dirty="0"/>
+                    </a:p>
+                  </a:txBody>
+                  <a:tcPr/>
+                </a:tc>
+                <a:tc>
+                  <a:txBody>
+                    <a:bodyPr/>
+                    <a:lstStyle/>
+                    <a:p>
+                      <a:pPr latinLnBrk="1"/>
+                      <a:r>
+                        <a:rPr lang="en-US" altLang="ko-KR" dirty="0"/>
+                        <a:t>t</a:t>
+                      </a:r>
+                      <a:endParaRPr lang="ko-KR" altLang="en-US" dirty="0"/>
+                    </a:p>
+                  </a:txBody>
+                  <a:tcPr/>
+                </a:tc>
+                <a:tc>
+                  <a:txBody>
+                    <a:bodyPr/>
+                    <a:lstStyle/>
+                    <a:p>
+                      <a:pPr latinLnBrk="1"/>
+                      <a:r>
+                        <a:rPr lang="en-US" altLang="ko-KR" dirty="0"/>
+                        <a:t>P</a:t>
+                      </a:r>
+                      <a:endParaRPr lang="ko-KR" altLang="en-US" dirty="0"/>
+                    </a:p>
+                  </a:txBody>
+                  <a:tcPr/>
+                </a:tc>
+                <a:tc>
+                  <a:txBody>
+                    <a:bodyPr/>
+                    <a:lstStyle/>
+                    <a:p>
+                      <a:pPr latinLnBrk="1"/>
+                      <a:r>
+                        <a:rPr lang="en-US" altLang="ko-KR" dirty="0"/>
+                        <a:t>l</a:t>
+                      </a:r>
+                      <a:endParaRPr lang="ko-KR" altLang="en-US" dirty="0"/>
+                    </a:p>
+                  </a:txBody>
+                  <a:tcPr/>
+                </a:tc>
+                <a:tc>
+                  <a:txBody>
+                    <a:bodyPr/>
+                    <a:lstStyle/>
+                    <a:p>
+                      <a:pPr latinLnBrk="1"/>
+                      <a:r>
+                        <a:rPr lang="en-US" altLang="ko-KR" dirty="0"/>
+                        <a:t>a</a:t>
+                      </a:r>
+                      <a:endParaRPr lang="ko-KR" altLang="en-US" dirty="0"/>
+                    </a:p>
+                  </a:txBody>
+                  <a:tcPr/>
+                </a:tc>
+                <a:tc>
+                  <a:txBody>
+                    <a:bodyPr/>
+                    <a:lstStyle/>
+                    <a:p>
+                      <a:pPr latinLnBrk="1"/>
+                      <a:r>
+                        <a:rPr lang="en-US" altLang="ko-KR" dirty="0"/>
+                        <a:t>y</a:t>
+                      </a:r>
+                      <a:endParaRPr lang="ko-KR" altLang="en-US" dirty="0"/>
+                    </a:p>
+                  </a:txBody>
+                  <a:tcPr/>
+                </a:tc>
+                <a:tc>
+                  <a:txBody>
+                    <a:bodyPr/>
+                    <a:lstStyle/>
+                    <a:p>
+                      <a:pPr latinLnBrk="1"/>
+                      <a:r>
+                        <a:rPr lang="en-US" altLang="ko-KR" dirty="0"/>
+                        <a:t>e</a:t>
+                      </a:r>
+                      <a:endParaRPr lang="ko-KR" altLang="en-US" dirty="0"/>
+                    </a:p>
+                  </a:txBody>
+                  <a:tcPr/>
+                </a:tc>
+                <a:tc>
+                  <a:txBody>
+                    <a:bodyPr/>
+                    <a:lstStyle/>
+                    <a:p>
+                      <a:pPr latinLnBrk="1"/>
+                      <a:r>
+                        <a:rPr lang="en-US" altLang="ko-KR" dirty="0"/>
+                        <a:t>r</a:t>
+                      </a:r>
+                      <a:endParaRPr lang="ko-KR" altLang="en-US" dirty="0"/>
+                    </a:p>
+                  </a:txBody>
+                  <a:tcPr/>
+                </a:tc>
+                <a:tc>
+                  <a:txBody>
+                    <a:bodyPr/>
+                    <a:lstStyle/>
+                    <a:p>
+                      <a:pPr latinLnBrk="1"/>
+                      <a:r>
+                        <a:rPr lang="en-US" altLang="ko-KR" dirty="0"/>
+                        <a:t>0</a:t>
+                      </a:r>
+                      <a:endParaRPr lang="ko-KR" altLang="en-US" dirty="0"/>
+                    </a:p>
+                  </a:txBody>
+                  <a:tcPr/>
+                </a:tc>
+                <a:extLst>
+                  <a:ext uri="{0D108BD9-81ED-4DB2-BD59-A6C34878D82A}">
+                    <a16:rowId xmlns:a16="http://schemas.microsoft.com/office/drawing/2014/main" val="3393829683"/>
+                  </a:ext>
+                </a:extLst>
+              </a:tr>
+            </a:tbl>
+          </a:graphicData>
+        </a:graphic>
+      </p:graphicFrame>
+      <p:sp>
+        <p:nvSpPr>
+          <p:cNvPr id="16" name="직사각형 15">
+            <a:extLst>
+              <a:ext uri="{FF2B5EF4-FFF2-40B4-BE49-F238E27FC236}">
+                <a16:creationId xmlns:a16="http://schemas.microsoft.com/office/drawing/2014/main" id="{6F91A57F-36CD-807C-00F5-7F1492B9F9F7}"/>
+              </a:ext>
+            </a:extLst>
+          </p:cNvPr>
+          <p:cNvSpPr/>
+          <p:nvPr/>
+        </p:nvSpPr>
+        <p:spPr>
+          <a:xfrm>
+            <a:off x="738909" y="4567342"/>
+            <a:ext cx="11065164" cy="2059747"/>
+          </a:xfrm>
+          <a:prstGeom prst="rect">
+            <a:avLst/>
+          </a:prstGeom>
+        </p:spPr>
+        <p:style>
+          <a:lnRef idx="2">
+            <a:schemeClr val="accent4">
+              <a:shade val="15000"/>
+            </a:schemeClr>
+          </a:lnRef>
+          <a:fillRef idx="1">
+            <a:schemeClr val="accent4"/>
+          </a:fillRef>
+          <a:effectRef idx="0">
+            <a:schemeClr val="accent4"/>
+          </a:effectRef>
+          <a:fontRef idx="minor">
+            <a:schemeClr val="lt1"/>
+          </a:fontRef>
+        </p:style>
+        <p:txBody>
+          <a:bodyPr rtlCol="0" anchor="ctr"/>
+          <a:lstStyle/>
+          <a:p>
+            <a:pPr algn="ctr"/>
+            <a:r>
+              <a:rPr lang="en-US" altLang="ko-KR" dirty="0" err="1"/>
+              <a:t>CreatePlayer</a:t>
+            </a:r>
+            <a:endParaRPr lang="ko-KR" altLang="en-US" dirty="0"/>
+          </a:p>
+        </p:txBody>
+      </p:sp>
+      <p:sp>
+        <p:nvSpPr>
+          <p:cNvPr id="20" name="직사각형 19">
+            <a:extLst>
+              <a:ext uri="{FF2B5EF4-FFF2-40B4-BE49-F238E27FC236}">
+                <a16:creationId xmlns:a16="http://schemas.microsoft.com/office/drawing/2014/main" id="{57836CBC-2B47-4D26-B1C7-81D951F6638C}"/>
+              </a:ext>
+            </a:extLst>
+          </p:cNvPr>
+          <p:cNvSpPr/>
+          <p:nvPr/>
+        </p:nvSpPr>
+        <p:spPr>
+          <a:xfrm>
+            <a:off x="738909" y="4567342"/>
+            <a:ext cx="3325091" cy="785091"/>
+          </a:xfrm>
+          <a:prstGeom prst="rect">
+            <a:avLst/>
+          </a:prstGeom>
+        </p:spPr>
+        <p:style>
+          <a:lnRef idx="2">
+            <a:schemeClr val="accent1">
+              <a:shade val="15000"/>
+            </a:schemeClr>
+          </a:lnRef>
+          <a:fillRef idx="1">
+            <a:schemeClr val="accent1"/>
+          </a:fillRef>
+          <a:effectRef idx="0">
+            <a:schemeClr val="accent1"/>
+          </a:effectRef>
+          <a:fontRef idx="minor">
+            <a:schemeClr val="lt1"/>
+          </a:fontRef>
+        </p:style>
+        <p:txBody>
+          <a:bodyPr rtlCol="0" anchor="ctr"/>
+          <a:lstStyle/>
+          <a:p>
+            <a:pPr algn="ctr"/>
+            <a:r>
+              <a:rPr lang="en-US" altLang="ko-KR" dirty="0"/>
+              <a:t>const char* const _</a:t>
+            </a:r>
+            <a:r>
+              <a:rPr lang="en-US" altLang="ko-KR" dirty="0" err="1"/>
+              <a:t>Ptr</a:t>
+            </a:r>
+            <a:endParaRPr lang="en-US" altLang="ko-KR" dirty="0"/>
+          </a:p>
+          <a:p>
+            <a:pPr algn="ctr"/>
+            <a:r>
+              <a:rPr lang="en-US" altLang="ko-KR" dirty="0"/>
+              <a:t>100 </a:t>
+            </a:r>
+            <a:r>
+              <a:rPr lang="ko-KR" altLang="en-US" dirty="0"/>
+              <a:t>번지</a:t>
+            </a:r>
+          </a:p>
+        </p:txBody>
+      </p:sp>
+      <p:sp>
+        <p:nvSpPr>
+          <p:cNvPr id="21" name="직사각형 20">
+            <a:extLst>
+              <a:ext uri="{FF2B5EF4-FFF2-40B4-BE49-F238E27FC236}">
+                <a16:creationId xmlns:a16="http://schemas.microsoft.com/office/drawing/2014/main" id="{24766A13-FC44-934D-6820-D7B9A6DBE6F8}"/>
+              </a:ext>
+            </a:extLst>
+          </p:cNvPr>
+          <p:cNvSpPr/>
+          <p:nvPr/>
+        </p:nvSpPr>
+        <p:spPr>
+          <a:xfrm>
+            <a:off x="4064000" y="4567342"/>
+            <a:ext cx="3325091" cy="785091"/>
+          </a:xfrm>
+          <a:prstGeom prst="rect">
+            <a:avLst/>
+          </a:prstGeom>
+        </p:spPr>
+        <p:style>
+          <a:lnRef idx="2">
+            <a:schemeClr val="accent1">
+              <a:shade val="15000"/>
+            </a:schemeClr>
+          </a:lnRef>
+          <a:fillRef idx="1">
+            <a:schemeClr val="accent1"/>
+          </a:fillRef>
+          <a:effectRef idx="0">
+            <a:schemeClr val="accent1"/>
+          </a:effectRef>
+          <a:fontRef idx="minor">
+            <a:schemeClr val="lt1"/>
+          </a:fontRef>
+        </p:style>
+        <p:txBody>
+          <a:bodyPr rtlCol="0" anchor="ctr"/>
+          <a:lstStyle/>
+          <a:p>
+            <a:pPr algn="ctr"/>
+            <a:r>
+              <a:rPr lang="en-US" altLang="ko-KR" dirty="0"/>
+              <a:t>Int _Hp</a:t>
+            </a:r>
+            <a:endParaRPr lang="ko-KR" altLang="en-US" dirty="0"/>
+          </a:p>
+        </p:txBody>
+      </p:sp>
+      <p:sp>
+        <p:nvSpPr>
+          <p:cNvPr id="22" name="직사각형 21">
+            <a:extLst>
+              <a:ext uri="{FF2B5EF4-FFF2-40B4-BE49-F238E27FC236}">
+                <a16:creationId xmlns:a16="http://schemas.microsoft.com/office/drawing/2014/main" id="{14448FA8-CE12-9A00-1A26-CB0EDE911A85}"/>
+              </a:ext>
+            </a:extLst>
+          </p:cNvPr>
+          <p:cNvSpPr/>
+          <p:nvPr/>
+        </p:nvSpPr>
+        <p:spPr>
+          <a:xfrm>
+            <a:off x="7389091" y="4567342"/>
+            <a:ext cx="3325091" cy="785091"/>
+          </a:xfrm>
+          <a:prstGeom prst="rect">
+            <a:avLst/>
+          </a:prstGeom>
+        </p:spPr>
+        <p:style>
+          <a:lnRef idx="2">
+            <a:schemeClr val="accent1">
+              <a:shade val="15000"/>
+            </a:schemeClr>
+          </a:lnRef>
+          <a:fillRef idx="1">
+            <a:schemeClr val="accent1"/>
+          </a:fillRef>
+          <a:effectRef idx="0">
+            <a:schemeClr val="accent1"/>
+          </a:effectRef>
+          <a:fontRef idx="minor">
+            <a:schemeClr val="lt1"/>
+          </a:fontRef>
+        </p:style>
+        <p:txBody>
+          <a:bodyPr rtlCol="0" anchor="ctr"/>
+          <a:lstStyle/>
+          <a:p>
+            <a:pPr algn="ctr"/>
+            <a:r>
+              <a:rPr lang="en-US" altLang="ko-KR" dirty="0"/>
+              <a:t>Int _</a:t>
+            </a:r>
+            <a:r>
+              <a:rPr lang="en-US" altLang="ko-KR" dirty="0" err="1"/>
+              <a:t>Att</a:t>
+            </a:r>
+            <a:endParaRPr lang="ko-KR" altLang="en-US" dirty="0"/>
+          </a:p>
+        </p:txBody>
+      </p:sp>
+      <p:sp>
+        <p:nvSpPr>
+          <p:cNvPr id="26" name="직사각형 25">
+            <a:extLst>
+              <a:ext uri="{FF2B5EF4-FFF2-40B4-BE49-F238E27FC236}">
+                <a16:creationId xmlns:a16="http://schemas.microsoft.com/office/drawing/2014/main" id="{CE2457B3-D666-C892-4E7A-DD068AF717AE}"/>
+              </a:ext>
+            </a:extLst>
+          </p:cNvPr>
+          <p:cNvSpPr/>
+          <p:nvPr/>
+        </p:nvSpPr>
+        <p:spPr>
+          <a:xfrm>
+            <a:off x="738909" y="3429000"/>
+            <a:ext cx="11065164" cy="967145"/>
+          </a:xfrm>
+          <a:prstGeom prst="rect">
+            <a:avLst/>
+          </a:prstGeom>
+        </p:spPr>
+        <p:style>
+          <a:lnRef idx="2">
+            <a:schemeClr val="accent2">
+              <a:shade val="15000"/>
+            </a:schemeClr>
+          </a:lnRef>
+          <a:fillRef idx="1">
+            <a:schemeClr val="accent2"/>
+          </a:fillRef>
+          <a:effectRef idx="0">
+            <a:schemeClr val="accent2"/>
+          </a:effectRef>
+          <a:fontRef idx="minor">
+            <a:schemeClr val="lt1"/>
+          </a:fontRef>
+        </p:style>
+        <p:txBody>
+          <a:bodyPr rtlCol="0" anchor="ctr"/>
+          <a:lstStyle/>
+          <a:p>
+            <a:pPr algn="ctr"/>
+            <a:r>
+              <a:rPr lang="en-US" altLang="ko-KR" dirty="0" err="1"/>
+              <a:t>StrCopy</a:t>
+            </a:r>
+            <a:endParaRPr lang="ko-KR" altLang="en-US" dirty="0"/>
+          </a:p>
+        </p:txBody>
+      </p:sp>
+      <p:sp>
+        <p:nvSpPr>
+          <p:cNvPr id="27" name="직사각형 26">
+            <a:extLst>
+              <a:ext uri="{FF2B5EF4-FFF2-40B4-BE49-F238E27FC236}">
+                <a16:creationId xmlns:a16="http://schemas.microsoft.com/office/drawing/2014/main" id="{6BC48D5B-3422-24CE-98E6-B0089AF6097D}"/>
+              </a:ext>
+            </a:extLst>
+          </p:cNvPr>
+          <p:cNvSpPr/>
+          <p:nvPr/>
+        </p:nvSpPr>
+        <p:spPr>
+          <a:xfrm>
+            <a:off x="4165600" y="3415097"/>
+            <a:ext cx="3325091" cy="785091"/>
+          </a:xfrm>
+          <a:prstGeom prst="rect">
+            <a:avLst/>
+          </a:prstGeom>
+        </p:spPr>
+        <p:style>
+          <a:lnRef idx="2">
+            <a:schemeClr val="accent1">
+              <a:shade val="15000"/>
+            </a:schemeClr>
+          </a:lnRef>
+          <a:fillRef idx="1">
+            <a:schemeClr val="accent1"/>
+          </a:fillRef>
+          <a:effectRef idx="0">
+            <a:schemeClr val="accent1"/>
+          </a:effectRef>
+          <a:fontRef idx="minor">
+            <a:schemeClr val="lt1"/>
+          </a:fontRef>
+        </p:style>
+        <p:txBody>
+          <a:bodyPr rtlCol="0" anchor="ctr"/>
+          <a:lstStyle/>
+          <a:p>
+            <a:pPr algn="ctr"/>
+            <a:r>
+              <a:rPr lang="en-US" altLang="ko-KR" dirty="0"/>
+              <a:t>const char* const _Name</a:t>
+            </a:r>
+          </a:p>
+          <a:p>
+            <a:pPr algn="ctr"/>
+            <a:r>
+              <a:rPr lang="en-US" altLang="ko-KR" dirty="0"/>
+              <a:t>100 </a:t>
+            </a:r>
+            <a:r>
+              <a:rPr lang="ko-KR" altLang="en-US" dirty="0"/>
+              <a:t>번지</a:t>
+            </a:r>
+          </a:p>
+        </p:txBody>
+      </p:sp>
+      <p:graphicFrame>
+        <p:nvGraphicFramePr>
+          <p:cNvPr id="28" name="표 27">
+            <a:extLst>
+              <a:ext uri="{FF2B5EF4-FFF2-40B4-BE49-F238E27FC236}">
+                <a16:creationId xmlns:a16="http://schemas.microsoft.com/office/drawing/2014/main" id="{C5A4699A-5F5D-96CC-AB82-A426D22AB966}"/>
+              </a:ext>
+            </a:extLst>
+          </p:cNvPr>
+          <p:cNvGraphicFramePr>
+            <a:graphicFrameLocks noGrp="1"/>
+          </p:cNvGraphicFramePr>
+          <p:nvPr>
+            <p:extLst>
+              <p:ext uri="{D42A27DB-BD31-4B8C-83A1-F6EECF244321}">
+                <p14:modId xmlns:p14="http://schemas.microsoft.com/office/powerpoint/2010/main" val="251214180"/>
+              </p:ext>
+            </p:extLst>
+          </p:nvPr>
+        </p:nvGraphicFramePr>
+        <p:xfrm>
+          <a:off x="2032000" y="2246112"/>
+          <a:ext cx="8127999" cy="370840"/>
+        </p:xfrm>
+        <a:graphic>
+          <a:graphicData uri="http://schemas.openxmlformats.org/drawingml/2006/table">
+            <a:tbl>
+              <a:tblPr firstRow="1" bandRow="1">
+                <a:tableStyleId>{5C22544A-7EE6-4342-B048-85BDC9FD1C3A}</a:tableStyleId>
+              </a:tblPr>
+              <a:tblGrid>
+                <a:gridCol w="738909">
+                  <a:extLst>
+                    <a:ext uri="{9D8B030D-6E8A-4147-A177-3AD203B41FA5}">
+                      <a16:colId xmlns:a16="http://schemas.microsoft.com/office/drawing/2014/main" val="3093658827"/>
+                    </a:ext>
+                  </a:extLst>
+                </a:gridCol>
+                <a:gridCol w="738909">
+                  <a:extLst>
+                    <a:ext uri="{9D8B030D-6E8A-4147-A177-3AD203B41FA5}">
+                      <a16:colId xmlns:a16="http://schemas.microsoft.com/office/drawing/2014/main" val="2891956428"/>
+                    </a:ext>
+                  </a:extLst>
+                </a:gridCol>
+                <a:gridCol w="738909">
+                  <a:extLst>
+                    <a:ext uri="{9D8B030D-6E8A-4147-A177-3AD203B41FA5}">
+                      <a16:colId xmlns:a16="http://schemas.microsoft.com/office/drawing/2014/main" val="1061896472"/>
+                    </a:ext>
+                  </a:extLst>
+                </a:gridCol>
+                <a:gridCol w="738909">
+                  <a:extLst>
+                    <a:ext uri="{9D8B030D-6E8A-4147-A177-3AD203B41FA5}">
+                      <a16:colId xmlns:a16="http://schemas.microsoft.com/office/drawing/2014/main" val="684211383"/>
+                    </a:ext>
+                  </a:extLst>
+                </a:gridCol>
+                <a:gridCol w="738909">
+                  <a:extLst>
+                    <a:ext uri="{9D8B030D-6E8A-4147-A177-3AD203B41FA5}">
+                      <a16:colId xmlns:a16="http://schemas.microsoft.com/office/drawing/2014/main" val="788653393"/>
+                    </a:ext>
+                  </a:extLst>
+                </a:gridCol>
+                <a:gridCol w="738909">
+                  <a:extLst>
+                    <a:ext uri="{9D8B030D-6E8A-4147-A177-3AD203B41FA5}">
+                      <a16:colId xmlns:a16="http://schemas.microsoft.com/office/drawing/2014/main" val="3905205105"/>
+                    </a:ext>
+                  </a:extLst>
+                </a:gridCol>
+                <a:gridCol w="738909">
+                  <a:extLst>
+                    <a:ext uri="{9D8B030D-6E8A-4147-A177-3AD203B41FA5}">
+                      <a16:colId xmlns:a16="http://schemas.microsoft.com/office/drawing/2014/main" val="3253597642"/>
+                    </a:ext>
+                  </a:extLst>
+                </a:gridCol>
+                <a:gridCol w="738909">
+                  <a:extLst>
+                    <a:ext uri="{9D8B030D-6E8A-4147-A177-3AD203B41FA5}">
+                      <a16:colId xmlns:a16="http://schemas.microsoft.com/office/drawing/2014/main" val="786020038"/>
+                    </a:ext>
+                  </a:extLst>
+                </a:gridCol>
+                <a:gridCol w="738909">
+                  <a:extLst>
+                    <a:ext uri="{9D8B030D-6E8A-4147-A177-3AD203B41FA5}">
+                      <a16:colId xmlns:a16="http://schemas.microsoft.com/office/drawing/2014/main" val="4266082735"/>
+                    </a:ext>
+                  </a:extLst>
+                </a:gridCol>
+                <a:gridCol w="738909">
+                  <a:extLst>
+                    <a:ext uri="{9D8B030D-6E8A-4147-A177-3AD203B41FA5}">
+                      <a16:colId xmlns:a16="http://schemas.microsoft.com/office/drawing/2014/main" val="207584328"/>
+                    </a:ext>
+                  </a:extLst>
+                </a:gridCol>
+                <a:gridCol w="738909">
+                  <a:extLst>
+                    <a:ext uri="{9D8B030D-6E8A-4147-A177-3AD203B41FA5}">
+                      <a16:colId xmlns:a16="http://schemas.microsoft.com/office/drawing/2014/main" val="2257584652"/>
+                    </a:ext>
+                  </a:extLst>
+                </a:gridCol>
+              </a:tblGrid>
+              <a:tr h="370840">
+                <a:tc>
+                  <a:txBody>
+                    <a:bodyPr/>
+                    <a:lstStyle/>
+                    <a:p>
+                      <a:pPr latinLnBrk="1"/>
+                      <a:r>
+                        <a:rPr lang="en-US" altLang="ko-KR" dirty="0"/>
+                        <a:t>T</a:t>
+                      </a:r>
+                      <a:endParaRPr lang="ko-KR" altLang="en-US" dirty="0"/>
+                    </a:p>
+                  </a:txBody>
+                  <a:tcPr/>
+                </a:tc>
+                <a:tc>
+                  <a:txBody>
+                    <a:bodyPr/>
+                    <a:lstStyle/>
+                    <a:p>
+                      <a:pPr latinLnBrk="1"/>
+                      <a:r>
+                        <a:rPr lang="en-US" altLang="ko-KR" dirty="0"/>
+                        <a:t>e</a:t>
+                      </a:r>
+                      <a:endParaRPr lang="ko-KR" altLang="en-US" dirty="0"/>
+                    </a:p>
+                  </a:txBody>
+                  <a:tcPr/>
+                </a:tc>
+                <a:tc>
+                  <a:txBody>
+                    <a:bodyPr/>
+                    <a:lstStyle/>
+                    <a:p>
+                      <a:pPr latinLnBrk="1"/>
+                      <a:r>
+                        <a:rPr lang="en-US" altLang="ko-KR" dirty="0"/>
+                        <a:t>s</a:t>
+                      </a:r>
+                      <a:endParaRPr lang="ko-KR" altLang="en-US" dirty="0"/>
+                    </a:p>
+                  </a:txBody>
+                  <a:tcPr/>
+                </a:tc>
+                <a:tc>
+                  <a:txBody>
+                    <a:bodyPr/>
+                    <a:lstStyle/>
+                    <a:p>
+                      <a:pPr latinLnBrk="1"/>
+                      <a:r>
+                        <a:rPr lang="en-US" altLang="ko-KR"/>
+                        <a:t>t</a:t>
+                      </a:r>
+                      <a:endParaRPr lang="ko-KR" altLang="en-US" dirty="0"/>
+                    </a:p>
+                  </a:txBody>
+                  <a:tcPr/>
+                </a:tc>
+                <a:tc>
+                  <a:txBody>
+                    <a:bodyPr/>
+                    <a:lstStyle/>
+                    <a:p>
+                      <a:pPr latinLnBrk="1"/>
+                      <a:endParaRPr lang="ko-KR" altLang="en-US" dirty="0"/>
+                    </a:p>
+                  </a:txBody>
+                  <a:tcPr/>
+                </a:tc>
+                <a:tc>
+                  <a:txBody>
+                    <a:bodyPr/>
+                    <a:lstStyle/>
+                    <a:p>
+                      <a:pPr latinLnBrk="1"/>
+                      <a:endParaRPr lang="ko-KR" altLang="en-US" dirty="0"/>
+                    </a:p>
+                  </a:txBody>
+                  <a:tcPr/>
+                </a:tc>
+                <a:tc>
+                  <a:txBody>
+                    <a:bodyPr/>
+                    <a:lstStyle/>
+                    <a:p>
+                      <a:pPr latinLnBrk="1"/>
+                      <a:endParaRPr lang="ko-KR" altLang="en-US" dirty="0"/>
+                    </a:p>
+                  </a:txBody>
+                  <a:tcPr/>
+                </a:tc>
+                <a:tc>
+                  <a:txBody>
+                    <a:bodyPr/>
+                    <a:lstStyle/>
+                    <a:p>
+                      <a:pPr latinLnBrk="1"/>
+                      <a:endParaRPr lang="ko-KR" altLang="en-US" dirty="0"/>
+                    </a:p>
+                  </a:txBody>
+                  <a:tcPr/>
+                </a:tc>
+                <a:tc>
+                  <a:txBody>
+                    <a:bodyPr/>
+                    <a:lstStyle/>
+                    <a:p>
+                      <a:pPr latinLnBrk="1"/>
+                      <a:endParaRPr lang="ko-KR" altLang="en-US" dirty="0"/>
+                    </a:p>
+                  </a:txBody>
+                  <a:tcPr/>
+                </a:tc>
+                <a:tc>
+                  <a:txBody>
+                    <a:bodyPr/>
+                    <a:lstStyle/>
+                    <a:p>
+                      <a:pPr latinLnBrk="1"/>
+                      <a:endParaRPr lang="ko-KR" altLang="en-US" dirty="0"/>
+                    </a:p>
+                  </a:txBody>
+                  <a:tcPr/>
+                </a:tc>
+                <a:tc>
+                  <a:txBody>
+                    <a:bodyPr/>
+                    <a:lstStyle/>
+                    <a:p>
+                      <a:pPr latinLnBrk="1"/>
+                      <a:r>
+                        <a:rPr lang="en-US" altLang="ko-KR" dirty="0"/>
+                        <a:t>…</a:t>
+                      </a:r>
+                      <a:endParaRPr lang="ko-KR" altLang="en-US" dirty="0"/>
+                    </a:p>
+                  </a:txBody>
+                  <a:tcPr/>
+                </a:tc>
+                <a:extLst>
+                  <a:ext uri="{0D108BD9-81ED-4DB2-BD59-A6C34878D82A}">
+                    <a16:rowId xmlns:a16="http://schemas.microsoft.com/office/drawing/2014/main" val="3393829683"/>
+                  </a:ext>
+                </a:extLst>
+              </a:tr>
+            </a:tbl>
+          </a:graphicData>
+        </a:graphic>
+      </p:graphicFrame>
+      <p:sp>
+        <p:nvSpPr>
+          <p:cNvPr id="31" name="TextBox 30">
+            <a:extLst>
+              <a:ext uri="{FF2B5EF4-FFF2-40B4-BE49-F238E27FC236}">
+                <a16:creationId xmlns:a16="http://schemas.microsoft.com/office/drawing/2014/main" id="{F8BDB664-C0DD-FC64-A3E4-C25510835C25}"/>
+              </a:ext>
+            </a:extLst>
+          </p:cNvPr>
+          <p:cNvSpPr txBox="1"/>
+          <p:nvPr/>
+        </p:nvSpPr>
+        <p:spPr>
+          <a:xfrm>
+            <a:off x="2032000" y="2685435"/>
+            <a:ext cx="1026243" cy="369332"/>
+          </a:xfrm>
+          <a:prstGeom prst="rect">
+            <a:avLst/>
+          </a:prstGeom>
+          <a:noFill/>
+        </p:spPr>
+        <p:txBody>
+          <a:bodyPr wrap="none" rtlCol="0">
+            <a:spAutoFit/>
+          </a:bodyPr>
+          <a:lstStyle/>
+          <a:p>
+            <a:r>
+              <a:rPr lang="en-US" altLang="ko-KR" dirty="0"/>
+              <a:t>200</a:t>
+            </a:r>
+            <a:r>
+              <a:rPr lang="ko-KR" altLang="en-US" dirty="0"/>
+              <a:t>번지</a:t>
+            </a:r>
+          </a:p>
+        </p:txBody>
+      </p:sp>
+      <p:sp>
+        <p:nvSpPr>
+          <p:cNvPr id="32" name="직사각형 31">
+            <a:extLst>
+              <a:ext uri="{FF2B5EF4-FFF2-40B4-BE49-F238E27FC236}">
+                <a16:creationId xmlns:a16="http://schemas.microsoft.com/office/drawing/2014/main" id="{6B8CCEF5-9A49-9BB6-01A3-9D1BD011BC9D}"/>
+              </a:ext>
+            </a:extLst>
+          </p:cNvPr>
+          <p:cNvSpPr/>
+          <p:nvPr/>
+        </p:nvSpPr>
+        <p:spPr>
+          <a:xfrm>
+            <a:off x="660902" y="3425569"/>
+            <a:ext cx="3325091" cy="785091"/>
+          </a:xfrm>
+          <a:prstGeom prst="rect">
+            <a:avLst/>
+          </a:prstGeom>
+        </p:spPr>
+        <p:style>
+          <a:lnRef idx="2">
+            <a:schemeClr val="accent1">
+              <a:shade val="15000"/>
+            </a:schemeClr>
+          </a:lnRef>
+          <a:fillRef idx="1">
+            <a:schemeClr val="accent1"/>
+          </a:fillRef>
+          <a:effectRef idx="0">
+            <a:schemeClr val="accent1"/>
+          </a:effectRef>
+          <a:fontRef idx="minor">
+            <a:schemeClr val="lt1"/>
+          </a:fontRef>
+        </p:style>
+        <p:txBody>
+          <a:bodyPr rtlCol="0" anchor="ctr"/>
+          <a:lstStyle/>
+          <a:p>
+            <a:pPr algn="ctr"/>
+            <a:r>
+              <a:rPr lang="en-US" altLang="ko-KR" dirty="0"/>
+              <a:t>char* _</a:t>
+            </a:r>
+            <a:r>
+              <a:rPr lang="en-US" altLang="ko-KR" dirty="0" err="1"/>
+              <a:t>Arr</a:t>
+            </a:r>
+            <a:endParaRPr lang="en-US" altLang="ko-KR" dirty="0"/>
+          </a:p>
+          <a:p>
+            <a:pPr algn="ctr"/>
+            <a:r>
+              <a:rPr lang="en-US" altLang="ko-KR" dirty="0"/>
+              <a:t>200 </a:t>
+            </a:r>
+            <a:r>
+              <a:rPr lang="ko-KR" altLang="en-US" dirty="0"/>
+              <a:t>번지</a:t>
+            </a:r>
+          </a:p>
+        </p:txBody>
+      </p:sp>
     </p:spTree>
     <p:extLst>
       <p:ext uri="{BB962C8B-B14F-4D97-AF65-F5344CB8AC3E}">
-        <p14:creationId xmlns:p14="http://schemas.microsoft.com/office/powerpoint/2010/main" val="596181879"/>
+        <p14:creationId xmlns:p14="http://schemas.microsoft.com/office/powerpoint/2010/main" val="1911908598"/>
       </p:ext>
     </p:extLst>
   </p:cSld>
@@ -5310,6 +6570,36 @@
     </p:spTree>
     <p:extLst>
       <p:ext uri="{BB962C8B-B14F-4D97-AF65-F5344CB8AC3E}">
+        <p14:creationId xmlns:p14="http://schemas.microsoft.com/office/powerpoint/2010/main" val="596181879"/>
+      </p:ext>
+    </p:extLst>
+  </p:cSld>
+  <p:clrMapOvr>
+    <a:masterClrMapping/>
+  </p:clrMapOvr>
+</p:sld>
+</file>
+
+<file path=ppt/slides/slide6.xml><?xml version="1.0" encoding="utf-8"?>
+<p:sld xmlns:a="http://schemas.openxmlformats.org/drawingml/2006/main" xmlns:r="http://schemas.openxmlformats.org/officeDocument/2006/relationships" xmlns:p="http://schemas.openxmlformats.org/presentationml/2006/main">
+  <p:cSld>
+    <p:spTree>
+      <p:nvGrpSpPr>
+        <p:cNvPr id="1" name=""/>
+        <p:cNvGrpSpPr/>
+        <p:nvPr/>
+      </p:nvGrpSpPr>
+      <p:grpSpPr>
+        <a:xfrm>
+          <a:off x="0" y="0"/>
+          <a:ext cx="0" cy="0"/>
+          <a:chOff x="0" y="0"/>
+          <a:chExt cx="0" cy="0"/>
+        </a:xfrm>
+      </p:grpSpPr>
+    </p:spTree>
+    <p:extLst>
+      <p:ext uri="{BB962C8B-B14F-4D97-AF65-F5344CB8AC3E}">
         <p14:creationId xmlns:p14="http://schemas.microsoft.com/office/powerpoint/2010/main" val="1237615829"/>
       </p:ext>
     </p:extLst>
@@ -5320,7 +6610,7 @@
 </p:sld>
 </file>
 
-<file path=ppt/slides/slide6.xml><?xml version="1.0" encoding="utf-8"?>
+<file path=ppt/slides/slide7.xml><?xml version="1.0" encoding="utf-8"?>
 <p:sld xmlns:a="http://schemas.openxmlformats.org/drawingml/2006/main" xmlns:r="http://schemas.openxmlformats.org/officeDocument/2006/relationships" xmlns:p="http://schemas.openxmlformats.org/presentationml/2006/main">
   <p:cSld>
     <p:spTree>

--- a/DOC/과제풀이/MyPrintf.pptx
+++ b/DOC/과제풀이/MyPrintf.pptx
@@ -6126,7 +6126,7 @@
         </p:nvSpPr>
         <p:spPr>
           <a:xfrm>
-            <a:off x="4165600" y="3415097"/>
+            <a:off x="4203198" y="3519056"/>
             <a:ext cx="3325091" cy="785091"/>
           </a:xfrm>
           <a:prstGeom prst="rect">
@@ -6334,7 +6334,7 @@
                     <a:p>
                       <a:pPr latinLnBrk="1"/>
                       <a:r>
-                        <a:rPr lang="en-US" altLang="ko-KR"/>
+                        <a:rPr lang="en-US" altLang="ko-KR" dirty="0"/>
                         <a:t>t</a:t>
                       </a:r>
                       <a:endParaRPr lang="ko-KR" altLang="en-US" dirty="0"/>
@@ -6486,7 +6486,7 @@
         </p:nvSpPr>
         <p:spPr>
           <a:xfrm>
-            <a:off x="660902" y="3425569"/>
+            <a:off x="698500" y="3529528"/>
             <a:ext cx="3325091" cy="785091"/>
           </a:xfrm>
           <a:prstGeom prst="rect">
